--- a/FinalPitch.pptx
+++ b/FinalPitch.pptx
@@ -5,7 +5,7 @@
     <p:sldMasterId id="2147483660" r:id="rId1"/>
   </p:sldMasterIdLst>
   <p:notesMasterIdLst>
-    <p:notesMasterId r:id="rId11"/>
+    <p:notesMasterId r:id="rId13"/>
   </p:notesMasterIdLst>
   <p:sldIdLst>
     <p:sldId id="256" r:id="rId2"/>
@@ -17,6 +17,8 @@
     <p:sldId id="264" r:id="rId8"/>
     <p:sldId id="265" r:id="rId9"/>
     <p:sldId id="257" r:id="rId10"/>
+    <p:sldId id="267" r:id="rId11"/>
+    <p:sldId id="266" r:id="rId12"/>
   </p:sldIdLst>
   <p:sldSz cx="12192000" cy="6858000"/>
   <p:notesSz cx="6858000" cy="9144000"/>
@@ -6227,13 +6229,13 @@
   <p:clrMapOvr>
     <a:masterClrMapping/>
   </p:clrMapOvr>
-  <mc:AlternateContent xmlns:mc="http://schemas.openxmlformats.org/markup-compatibility/2006" xmlns:p14="http://schemas.microsoft.com/office/powerpoint/2010/main">
-    <mc:Choice Requires="p14">
+  <mc:AlternateContent xmlns:mc="http://schemas.openxmlformats.org/markup-compatibility/2006">
+    <mc:Choice xmlns:p14="http://schemas.microsoft.com/office/powerpoint/2010/main" Requires="p14">
       <p:transition spd="slow" p14:dur="2000">
         <p:cut/>
       </p:transition>
     </mc:Choice>
-    <mc:Fallback xmlns="">
+    <mc:Fallback>
       <p:transition spd="slow">
         <p:cut/>
       </p:transition>
@@ -6246,6 +6248,122 @@
       </p:par>
     </p:tnLst>
   </p:timing>
+</p:sld>
+</file>
+
+<file path=ppt/slides/slide10.xml><?xml version="1.0" encoding="utf-8"?>
+<p:sld xmlns:a="http://schemas.openxmlformats.org/drawingml/2006/main" xmlns:r="http://schemas.openxmlformats.org/officeDocument/2006/relationships" xmlns:p="http://schemas.openxmlformats.org/presentationml/2006/main">
+  <p:cSld>
+    <p:spTree>
+      <p:nvGrpSpPr>
+        <p:cNvPr id="1" name=""/>
+        <p:cNvGrpSpPr/>
+        <p:nvPr/>
+      </p:nvGrpSpPr>
+      <p:grpSpPr>
+        <a:xfrm>
+          <a:off x="0" y="0"/>
+          <a:ext cx="0" cy="0"/>
+          <a:chOff x="0" y="0"/>
+          <a:chExt cx="0" cy="0"/>
+        </a:xfrm>
+      </p:grpSpPr>
+      <p:sp>
+        <p:nvSpPr>
+          <p:cNvPr id="3" name="內容版面配置區 2"/>
+          <p:cNvSpPr>
+            <a:spLocks noGrp="1"/>
+          </p:cNvSpPr>
+          <p:nvPr>
+            <p:ph idx="1"/>
+          </p:nvPr>
+        </p:nvSpPr>
+        <p:spPr>
+          <a:xfrm>
+            <a:off x="758103" y="1350818"/>
+            <a:ext cx="8534400" cy="3615267"/>
+          </a:xfrm>
+        </p:spPr>
+        <p:txBody>
+          <a:bodyPr/>
+          <a:lstStyle/>
+          <a:p>
+            <a:r>
+              <a:rPr lang="zh-TW" altLang="en-US" sz="4000" dirty="0" smtClean="0"/>
+              <a:t>心得收穫</a:t>
+            </a:r>
+            <a:endParaRPr lang="zh-TW" altLang="en-US" sz="4000" dirty="0"/>
+          </a:p>
+        </p:txBody>
+      </p:sp>
+    </p:spTree>
+    <p:extLst>
+      <p:ext uri="{BB962C8B-B14F-4D97-AF65-F5344CB8AC3E}">
+        <p14:creationId xmlns:p14="http://schemas.microsoft.com/office/powerpoint/2010/main" val="1808024864"/>
+      </p:ext>
+    </p:extLst>
+  </p:cSld>
+  <p:clrMapOvr>
+    <a:masterClrMapping/>
+  </p:clrMapOvr>
+</p:sld>
+</file>
+
+<file path=ppt/slides/slide11.xml><?xml version="1.0" encoding="utf-8"?>
+<p:sld xmlns:a="http://schemas.openxmlformats.org/drawingml/2006/main" xmlns:r="http://schemas.openxmlformats.org/officeDocument/2006/relationships" xmlns:p="http://schemas.openxmlformats.org/presentationml/2006/main">
+  <p:cSld>
+    <p:spTree>
+      <p:nvGrpSpPr>
+        <p:cNvPr id="1" name=""/>
+        <p:cNvGrpSpPr/>
+        <p:nvPr/>
+      </p:nvGrpSpPr>
+      <p:grpSpPr>
+        <a:xfrm>
+          <a:off x="0" y="0"/>
+          <a:ext cx="0" cy="0"/>
+          <a:chOff x="0" y="0"/>
+          <a:chExt cx="0" cy="0"/>
+        </a:xfrm>
+      </p:grpSpPr>
+      <p:sp>
+        <p:nvSpPr>
+          <p:cNvPr id="2" name="標題 1"/>
+          <p:cNvSpPr>
+            <a:spLocks noGrp="1"/>
+          </p:cNvSpPr>
+          <p:nvPr>
+            <p:ph type="title"/>
+          </p:nvPr>
+        </p:nvSpPr>
+        <p:spPr/>
+        <p:txBody>
+          <a:bodyPr>
+            <a:normAutofit/>
+          </a:bodyPr>
+          <a:lstStyle/>
+          <a:p>
+            <a:r>
+              <a:rPr lang="zh-TW" altLang="en-US" sz="5000" dirty="0" smtClean="0"/>
+              <a:t>感謝</a:t>
+            </a:r>
+            <a:r>
+              <a:rPr lang="zh-TW" altLang="en-US" sz="5000" dirty="0"/>
+              <a:t>聆聽</a:t>
+            </a:r>
+          </a:p>
+        </p:txBody>
+      </p:sp>
+    </p:spTree>
+    <p:extLst>
+      <p:ext uri="{BB962C8B-B14F-4D97-AF65-F5344CB8AC3E}">
+        <p14:creationId xmlns:p14="http://schemas.microsoft.com/office/powerpoint/2010/main" val="3355593636"/>
+      </p:ext>
+    </p:extLst>
+  </p:cSld>
+  <p:clrMapOvr>
+    <a:masterClrMapping/>
+  </p:clrMapOvr>
 </p:sld>
 </file>
 
@@ -6330,13 +6448,13 @@
   <p:clrMapOvr>
     <a:masterClrMapping/>
   </p:clrMapOvr>
-  <mc:AlternateContent xmlns:mc="http://schemas.openxmlformats.org/markup-compatibility/2006" xmlns:p14="http://schemas.microsoft.com/office/powerpoint/2010/main">
-    <mc:Choice Requires="p14">
+  <mc:AlternateContent xmlns:mc="http://schemas.openxmlformats.org/markup-compatibility/2006">
+    <mc:Choice xmlns:p14="http://schemas.microsoft.com/office/powerpoint/2010/main" Requires="p14">
       <p:transition spd="slow" p14:dur="2000">
         <p:cut/>
       </p:transition>
     </mc:Choice>
-    <mc:Fallback xmlns="">
+    <mc:Fallback>
       <p:transition spd="slow">
         <p:cut/>
       </p:transition>
@@ -6433,13 +6551,13 @@
   <p:clrMapOvr>
     <a:masterClrMapping/>
   </p:clrMapOvr>
-  <mc:AlternateContent xmlns:mc="http://schemas.openxmlformats.org/markup-compatibility/2006" xmlns:p14="http://schemas.microsoft.com/office/powerpoint/2010/main">
-    <mc:Choice Requires="p14">
+  <mc:AlternateContent xmlns:mc="http://schemas.openxmlformats.org/markup-compatibility/2006">
+    <mc:Choice xmlns:p14="http://schemas.microsoft.com/office/powerpoint/2010/main" Requires="p14">
       <p:transition spd="slow" p14:dur="2000">
         <p:cut/>
       </p:transition>
     </mc:Choice>
-    <mc:Fallback xmlns="">
+    <mc:Fallback>
       <p:transition spd="slow">
         <p:cut/>
       </p:transition>
@@ -6575,13 +6693,13 @@
   <p:clrMapOvr>
     <a:masterClrMapping/>
   </p:clrMapOvr>
-  <mc:AlternateContent xmlns:mc="http://schemas.openxmlformats.org/markup-compatibility/2006" xmlns:p14="http://schemas.microsoft.com/office/powerpoint/2010/main">
-    <mc:Choice Requires="p14">
+  <mc:AlternateContent xmlns:mc="http://schemas.openxmlformats.org/markup-compatibility/2006">
+    <mc:Choice xmlns:p14="http://schemas.microsoft.com/office/powerpoint/2010/main" Requires="p14">
       <p:transition spd="slow" p14:dur="2000">
         <p:cut/>
       </p:transition>
     </mc:Choice>
-    <mc:Fallback xmlns="">
+    <mc:Fallback>
       <p:transition spd="slow">
         <p:cut/>
       </p:transition>
@@ -6725,13 +6843,13 @@
   <p:clrMapOvr>
     <a:masterClrMapping/>
   </p:clrMapOvr>
-  <mc:AlternateContent xmlns:mc="http://schemas.openxmlformats.org/markup-compatibility/2006" xmlns:p14="http://schemas.microsoft.com/office/powerpoint/2010/main">
-    <mc:Choice Requires="p14">
+  <mc:AlternateContent xmlns:mc="http://schemas.openxmlformats.org/markup-compatibility/2006">
+    <mc:Choice xmlns:p14="http://schemas.microsoft.com/office/powerpoint/2010/main" Requires="p14">
       <p:transition spd="slow" p14:dur="2000">
         <p:cut/>
       </p:transition>
     </mc:Choice>
-    <mc:Fallback xmlns="">
+    <mc:Fallback>
       <p:transition spd="slow">
         <p:cut/>
       </p:transition>
@@ -6950,13 +7068,13 @@
   <p:clrMapOvr>
     <a:masterClrMapping/>
   </p:clrMapOvr>
-  <mc:AlternateContent xmlns:mc="http://schemas.openxmlformats.org/markup-compatibility/2006" xmlns:p14="http://schemas.microsoft.com/office/powerpoint/2010/main">
-    <mc:Choice Requires="p14">
+  <mc:AlternateContent xmlns:mc="http://schemas.openxmlformats.org/markup-compatibility/2006">
+    <mc:Choice xmlns:p14="http://schemas.microsoft.com/office/powerpoint/2010/main" Requires="p14">
       <p:transition spd="slow" p14:dur="2000">
         <p:cut/>
       </p:transition>
     </mc:Choice>
-    <mc:Fallback xmlns="">
+    <mc:Fallback>
       <p:transition spd="slow">
         <p:cut/>
       </p:transition>
@@ -7065,7 +7183,7 @@
       </p:sp>
       <p:pic>
         <p:nvPicPr>
-          <p:cNvPr id="4" name="圖片 3"/>
+          <p:cNvPr id="5" name="圖片 4"/>
           <p:cNvPicPr>
             <a:picLocks noChangeAspect="1"/>
           </p:cNvPicPr>
@@ -7079,8 +7197,8 @@
         </p:blipFill>
         <p:spPr>
           <a:xfrm>
-            <a:off x="1665369" y="704272"/>
-            <a:ext cx="7089321" cy="4572000"/>
+            <a:off x="1258969" y="604308"/>
+            <a:ext cx="7503567" cy="4450292"/>
           </a:xfrm>
           <a:prstGeom prst="rect">
             <a:avLst/>
@@ -7097,6 +7215,25 @@
   <p:clrMapOvr>
     <a:masterClrMapping/>
   </p:clrMapOvr>
+  <mc:AlternateContent xmlns:mc="http://schemas.openxmlformats.org/markup-compatibility/2006">
+    <mc:Choice xmlns:p14="http://schemas.microsoft.com/office/powerpoint/2010/main" Requires="p14">
+      <p:transition spd="slow" p14:dur="2000">
+        <p:cut/>
+      </p:transition>
+    </mc:Choice>
+    <mc:Fallback>
+      <p:transition spd="slow">
+        <p:cut/>
+      </p:transition>
+    </mc:Fallback>
+  </mc:AlternateContent>
+  <p:timing>
+    <p:tnLst>
+      <p:par>
+        <p:cTn id="1" dur="indefinite" restart="never" nodeType="tmRoot"/>
+      </p:par>
+    </p:tnLst>
+  </p:timing>
 </p:sld>
 </file>
 
@@ -7233,6 +7370,25 @@
   <p:clrMapOvr>
     <a:masterClrMapping/>
   </p:clrMapOvr>
+  <mc:AlternateContent xmlns:mc="http://schemas.openxmlformats.org/markup-compatibility/2006">
+    <mc:Choice xmlns:p14="http://schemas.microsoft.com/office/powerpoint/2010/main" Requires="p14">
+      <p:transition spd="slow" p14:dur="2000">
+        <p:cut/>
+      </p:transition>
+    </mc:Choice>
+    <mc:Fallback>
+      <p:transition spd="slow">
+        <p:cut/>
+      </p:transition>
+    </mc:Fallback>
+  </mc:AlternateContent>
+  <p:timing>
+    <p:tnLst>
+      <p:par>
+        <p:cTn id="1" dur="indefinite" restart="never" nodeType="tmRoot"/>
+      </p:par>
+    </p:tnLst>
+  </p:timing>
 </p:sld>
 </file>
 
@@ -7309,11 +7465,7 @@
             </a:r>
             <a:r>
               <a:rPr lang="zh-TW" altLang="en-US" dirty="0" smtClean="0"/>
-              <a:t>的快樂桌遊</a:t>
-            </a:r>
-            <a:r>
-              <a:rPr lang="zh-TW" altLang="en-US" dirty="0" smtClean="0"/>
-              <a:t>同伴</a:t>
+              <a:t>的快樂桌遊同伴</a:t>
             </a:r>
             <a:r>
               <a:rPr lang="en-US" altLang="zh-TW" dirty="0" smtClean="0"/>
@@ -7344,11 +7496,7 @@
             </a:r>
             <a:r>
               <a:rPr lang="en-US" altLang="zh-TW" dirty="0" smtClean="0"/>
-              <a:t>(</a:t>
-            </a:r>
-            <a:r>
-              <a:rPr lang="en-US" altLang="zh-TW" dirty="0" smtClean="0"/>
-              <a:t>96</a:t>
+              <a:t>(96</a:t>
             </a:r>
             <a:r>
               <a:rPr lang="zh-TW" altLang="en-US" dirty="0" smtClean="0"/>
@@ -7450,13 +7598,13 @@
   <p:clrMapOvr>
     <a:masterClrMapping/>
   </p:clrMapOvr>
-  <mc:AlternateContent xmlns:mc="http://schemas.openxmlformats.org/markup-compatibility/2006" xmlns:p14="http://schemas.microsoft.com/office/powerpoint/2010/main">
-    <mc:Choice Requires="p14">
+  <mc:AlternateContent xmlns:mc="http://schemas.openxmlformats.org/markup-compatibility/2006">
+    <mc:Choice xmlns:p14="http://schemas.microsoft.com/office/powerpoint/2010/main" Requires="p14">
       <p:transition spd="slow" p14:dur="2000">
         <p:cut/>
       </p:transition>
     </mc:Choice>
-    <mc:Fallback xmlns="">
+    <mc:Fallback>
       <p:transition spd="slow">
         <p:cut/>
       </p:transition>
